--- a/ronbun/src/fig/result/case4/case4.pptx
+++ b/ronbun/src/fig/result/case4/case4.pptx
@@ -210,7 +210,7 @@
           <a:p>
             <a:fld id="{DED8AF66-6895-4DCA-863B-CB2F85A659E3}" type="datetimeFigureOut">
               <a:rPr kumimoji="1" lang="ja-JP" altLang="en-US" smtClean="0"/>
-              <a:t>2021/1/24</a:t>
+              <a:t>2021/1/25</a:t>
             </a:fld>
             <a:endParaRPr kumimoji="1" lang="ja-JP" altLang="en-US"/>
           </a:p>
@@ -640,7 +640,7 @@
           <a:p>
             <a:fld id="{801ED055-56D7-48AD-9B12-A3D3679C244F}" type="datetimeFigureOut">
               <a:rPr kumimoji="1" lang="ja-JP" altLang="en-US" smtClean="0"/>
-              <a:t>2021/1/24</a:t>
+              <a:t>2021/1/25</a:t>
             </a:fld>
             <a:endParaRPr kumimoji="1" lang="ja-JP" altLang="en-US"/>
           </a:p>
@@ -842,7 +842,7 @@
           <a:p>
             <a:fld id="{801ED055-56D7-48AD-9B12-A3D3679C244F}" type="datetimeFigureOut">
               <a:rPr kumimoji="1" lang="ja-JP" altLang="en-US" smtClean="0"/>
-              <a:t>2021/1/24</a:t>
+              <a:t>2021/1/25</a:t>
             </a:fld>
             <a:endParaRPr kumimoji="1" lang="ja-JP" altLang="en-US"/>
           </a:p>
@@ -1054,7 +1054,7 @@
           <a:p>
             <a:fld id="{801ED055-56D7-48AD-9B12-A3D3679C244F}" type="datetimeFigureOut">
               <a:rPr kumimoji="1" lang="ja-JP" altLang="en-US" smtClean="0"/>
-              <a:t>2021/1/24</a:t>
+              <a:t>2021/1/25</a:t>
             </a:fld>
             <a:endParaRPr kumimoji="1" lang="ja-JP" altLang="en-US"/>
           </a:p>
@@ -1256,7 +1256,7 @@
           <a:p>
             <a:fld id="{801ED055-56D7-48AD-9B12-A3D3679C244F}" type="datetimeFigureOut">
               <a:rPr kumimoji="1" lang="ja-JP" altLang="en-US" smtClean="0"/>
-              <a:t>2021/1/24</a:t>
+              <a:t>2021/1/25</a:t>
             </a:fld>
             <a:endParaRPr kumimoji="1" lang="ja-JP" altLang="en-US"/>
           </a:p>
@@ -1500,7 +1500,7 @@
           <a:p>
             <a:fld id="{801ED055-56D7-48AD-9B12-A3D3679C244F}" type="datetimeFigureOut">
               <a:rPr kumimoji="1" lang="ja-JP" altLang="en-US" smtClean="0"/>
-              <a:t>2021/1/24</a:t>
+              <a:t>2021/1/25</a:t>
             </a:fld>
             <a:endParaRPr kumimoji="1" lang="ja-JP" altLang="en-US"/>
           </a:p>
@@ -1796,7 +1796,7 @@
           <a:p>
             <a:fld id="{801ED055-56D7-48AD-9B12-A3D3679C244F}" type="datetimeFigureOut">
               <a:rPr kumimoji="1" lang="ja-JP" altLang="en-US" smtClean="0"/>
-              <a:t>2021/1/24</a:t>
+              <a:t>2021/1/25</a:t>
             </a:fld>
             <a:endParaRPr kumimoji="1" lang="ja-JP" altLang="en-US"/>
           </a:p>
@@ -2227,7 +2227,7 @@
           <a:p>
             <a:fld id="{801ED055-56D7-48AD-9B12-A3D3679C244F}" type="datetimeFigureOut">
               <a:rPr kumimoji="1" lang="ja-JP" altLang="en-US" smtClean="0"/>
-              <a:t>2021/1/24</a:t>
+              <a:t>2021/1/25</a:t>
             </a:fld>
             <a:endParaRPr kumimoji="1" lang="ja-JP" altLang="en-US"/>
           </a:p>
@@ -2345,7 +2345,7 @@
           <a:p>
             <a:fld id="{801ED055-56D7-48AD-9B12-A3D3679C244F}" type="datetimeFigureOut">
               <a:rPr kumimoji="1" lang="ja-JP" altLang="en-US" smtClean="0"/>
-              <a:t>2021/1/24</a:t>
+              <a:t>2021/1/25</a:t>
             </a:fld>
             <a:endParaRPr kumimoji="1" lang="ja-JP" altLang="en-US"/>
           </a:p>
@@ -2440,7 +2440,7 @@
           <a:p>
             <a:fld id="{801ED055-56D7-48AD-9B12-A3D3679C244F}" type="datetimeFigureOut">
               <a:rPr kumimoji="1" lang="ja-JP" altLang="en-US" smtClean="0"/>
-              <a:t>2021/1/24</a:t>
+              <a:t>2021/1/25</a:t>
             </a:fld>
             <a:endParaRPr kumimoji="1" lang="ja-JP" altLang="en-US"/>
           </a:p>
@@ -2749,7 +2749,7 @@
           <a:p>
             <a:fld id="{801ED055-56D7-48AD-9B12-A3D3679C244F}" type="datetimeFigureOut">
               <a:rPr kumimoji="1" lang="ja-JP" altLang="en-US" smtClean="0"/>
-              <a:t>2021/1/24</a:t>
+              <a:t>2021/1/25</a:t>
             </a:fld>
             <a:endParaRPr kumimoji="1" lang="ja-JP" altLang="en-US"/>
           </a:p>
@@ -3006,7 +3006,7 @@
           <a:p>
             <a:fld id="{801ED055-56D7-48AD-9B12-A3D3679C244F}" type="datetimeFigureOut">
               <a:rPr kumimoji="1" lang="ja-JP" altLang="en-US" smtClean="0"/>
-              <a:t>2021/1/24</a:t>
+              <a:t>2021/1/25</a:t>
             </a:fld>
             <a:endParaRPr kumimoji="1" lang="ja-JP" altLang="en-US"/>
           </a:p>
@@ -3251,7 +3251,7 @@
           <a:p>
             <a:fld id="{801ED055-56D7-48AD-9B12-A3D3679C244F}" type="datetimeFigureOut">
               <a:rPr kumimoji="1" lang="ja-JP" altLang="en-US" smtClean="0"/>
-              <a:t>2021/1/24</a:t>
+              <a:t>2021/1/25</a:t>
             </a:fld>
             <a:endParaRPr kumimoji="1" lang="ja-JP" altLang="en-US"/>
           </a:p>
@@ -3656,8 +3656,8 @@
           <a:chExt cx="0" cy="0"/>
         </a:xfrm>
       </p:grpSpPr>
-      <mc:AlternateContent xmlns:mc="http://schemas.openxmlformats.org/markup-compatibility/2006" xmlns:a14="http://schemas.microsoft.com/office/drawing/2010/main">
-        <mc:Choice Requires="a14">
+      <mc:AlternateContent xmlns:mc="http://schemas.openxmlformats.org/markup-compatibility/2006">
+        <mc:Choice xmlns:a14="http://schemas.microsoft.com/office/drawing/2010/main" Requires="a14">
           <p:sp>
             <p:nvSpPr>
               <p:cNvPr id="42" name="テキスト ボックス 41">
@@ -3673,7 +3673,7 @@
             <p:spPr>
               <a:xfrm>
                 <a:off x="861982" y="753588"/>
-                <a:ext cx="2090326" cy="400110"/>
+                <a:ext cx="2090326" cy="734240"/>
               </a:xfrm>
               <a:prstGeom prst="rect">
                 <a:avLst/>
@@ -3687,54 +3687,87 @@
               <a:lstStyle/>
               <a:p>
                 <a:pPr algn="ctr"/>
-                <a14:m>
-                  <m:oMath xmlns:m="http://schemas.openxmlformats.org/officeDocument/2006/math">
-                    <m:sSub>
-                      <m:sSubPr>
-                        <m:ctrlPr>
-                          <a:rPr kumimoji="1" lang="en-US" altLang="ja-JP" sz="2000" b="0" i="1" smtClean="0">
-                            <a:latin typeface="Cambria Math" panose="02040503050406030204" pitchFamily="18" charset="0"/>
-                          </a:rPr>
-                        </m:ctrlPr>
-                      </m:sSubPr>
-                      <m:e>
-                        <m:r>
-                          <a:rPr kumimoji="1" lang="en-US" altLang="ja-JP" sz="2000" b="0" i="1" smtClean="0">
-                            <a:latin typeface="Cambria Math" panose="02040503050406030204" pitchFamily="18" charset="0"/>
-                          </a:rPr>
-                          <m:t>𝜏</m:t>
-                        </m:r>
-                      </m:e>
-                      <m:sub>
-                        <m:r>
-                          <m:rPr>
-                            <m:sty m:val="p"/>
-                          </m:rPr>
-                          <a:rPr kumimoji="1" lang="en-US" altLang="ja-JP" sz="2000" b="0" i="0" smtClean="0">
-                            <a:latin typeface="Cambria Math" panose="02040503050406030204" pitchFamily="18" charset="0"/>
-                          </a:rPr>
-                          <m:t>APE</m:t>
-                        </m:r>
-                      </m:sub>
-                    </m:sSub>
-                    <m:r>
-                      <a:rPr kumimoji="1" lang="en-US" altLang="ja-JP" sz="2000" b="0" i="1" smtClean="0">
-                        <a:latin typeface="Cambria Math" panose="02040503050406030204" pitchFamily="18" charset="0"/>
-                      </a:rPr>
-                      <m:t>=∞</m:t>
-                    </m:r>
-                  </m:oMath>
-                </a14:m>
                 <a:r>
                   <a:rPr kumimoji="1" lang="en-US" altLang="ja-JP" sz="2000" dirty="0"/>
-                  <a:t>  (A1)</a:t>
+                  <a:t>T170  (A1)</a:t>
                 </a:r>
+              </a:p>
+              <a:p>
+                <a:pPr algn="ctr"/>
+                <a14:m>
+                  <m:oMathPara xmlns:m="http://schemas.openxmlformats.org/officeDocument/2006/math">
+                    <m:oMathParaPr>
+                      <m:jc m:val="centerGroup"/>
+                    </m:oMathParaPr>
+                    <m:oMath xmlns:m="http://schemas.openxmlformats.org/officeDocument/2006/math">
+                      <m:sSub>
+                        <m:sSubPr>
+                          <m:ctrlPr>
+                            <a:rPr kumimoji="1" lang="en-US" altLang="ja-JP" sz="2000" b="0" i="1" smtClean="0">
+                              <a:latin typeface="Cambria Math" panose="02040503050406030204" pitchFamily="18" charset="0"/>
+                            </a:rPr>
+                          </m:ctrlPr>
+                        </m:sSubPr>
+                        <m:e>
+                          <m:r>
+                            <a:rPr kumimoji="1" lang="en-US" altLang="ja-JP" sz="2000" b="0" i="1" smtClean="0">
+                              <a:latin typeface="Cambria Math" panose="02040503050406030204" pitchFamily="18" charset="0"/>
+                            </a:rPr>
+                            <m:t>𝑅</m:t>
+                          </m:r>
+                        </m:e>
+                        <m:sub>
+                          <m:r>
+                            <m:rPr>
+                              <m:sty m:val="p"/>
+                            </m:rPr>
+                            <a:rPr kumimoji="1" lang="en-US" altLang="ja-JP" sz="2000" b="0" i="0" smtClean="0">
+                              <a:latin typeface="Cambria Math" panose="02040503050406030204" pitchFamily="18" charset="0"/>
+                            </a:rPr>
+                            <m:t>storm</m:t>
+                          </m:r>
+                        </m:sub>
+                      </m:sSub>
+                      <m:r>
+                        <a:rPr kumimoji="1" lang="en-US" altLang="ja-JP" sz="2000" b="0" i="1" smtClean="0">
+                          <a:latin typeface="Cambria Math" panose="02040503050406030204" pitchFamily="18" charset="0"/>
+                        </a:rPr>
+                        <m:t>=</m:t>
+                      </m:r>
+                      <m:sSup>
+                        <m:sSupPr>
+                          <m:ctrlPr>
+                            <a:rPr kumimoji="1" lang="en-US" altLang="ja-JP" sz="2000" b="0" i="1" smtClean="0">
+                              <a:latin typeface="Cambria Math" panose="02040503050406030204" pitchFamily="18" charset="0"/>
+                            </a:rPr>
+                          </m:ctrlPr>
+                        </m:sSupPr>
+                        <m:e>
+                          <m:r>
+                            <a:rPr kumimoji="1" lang="en-US" altLang="ja-JP" sz="2000" b="0" i="1" smtClean="0">
+                              <a:latin typeface="Cambria Math" panose="02040503050406030204" pitchFamily="18" charset="0"/>
+                            </a:rPr>
+                            <m:t>2.1</m:t>
+                          </m:r>
+                        </m:e>
+                        <m:sup>
+                          <m:r>
+                            <a:rPr kumimoji="1" lang="en-US" altLang="ja-JP" sz="2000" b="0" i="1" smtClean="0">
+                              <a:latin typeface="Cambria Math" panose="02040503050406030204" pitchFamily="18" charset="0"/>
+                            </a:rPr>
+                            <m:t>∘</m:t>
+                          </m:r>
+                        </m:sup>
+                      </m:sSup>
+                    </m:oMath>
+                  </m:oMathPara>
+                </a14:m>
                 <a:endParaRPr kumimoji="1" lang="ja-JP" altLang="en-US" sz="2000" dirty="0"/>
               </a:p>
             </p:txBody>
           </p:sp>
         </mc:Choice>
-        <mc:Fallback xmlns="">
+        <mc:Fallback>
           <p:sp>
             <p:nvSpPr>
               <p:cNvPr id="42" name="テキスト ボックス 41">
@@ -3752,15 +3785,15 @@
             <p:spPr>
               <a:xfrm>
                 <a:off x="861982" y="753588"/>
-                <a:ext cx="2090326" cy="400110"/>
+                <a:ext cx="2090326" cy="734240"/>
               </a:xfrm>
               <a:prstGeom prst="rect">
                 <a:avLst/>
               </a:prstGeom>
               <a:blipFill>
-                <a:blip r:embed="rId8"/>
+                <a:blip r:embed="rId2"/>
                 <a:stretch>
-                  <a:fillRect t="-9231" b="-27692"/>
+                  <a:fillRect t="-5000"/>
                 </a:stretch>
               </a:blipFill>
             </p:spPr>
@@ -3796,7 +3829,7 @@
             <p:spPr>
               <a:xfrm>
                 <a:off x="3881100" y="742505"/>
-                <a:ext cx="2090326" cy="400110"/>
+                <a:ext cx="2090326" cy="707886"/>
               </a:xfrm>
               <a:prstGeom prst="rect">
                 <a:avLst/>
@@ -3810,58 +3843,89 @@
               <a:lstStyle/>
               <a:p>
                 <a:pPr algn="ctr"/>
-                <a14:m>
-                  <m:oMath xmlns:m="http://schemas.openxmlformats.org/officeDocument/2006/math">
-                    <m:sSub>
-                      <m:sSubPr>
-                        <m:ctrlPr>
-                          <a:rPr kumimoji="1" lang="en-US" altLang="ja-JP" sz="2000" b="0" i="1" smtClean="0">
-                            <a:latin typeface="Cambria Math" panose="02040503050406030204" pitchFamily="18" charset="0"/>
-                          </a:rPr>
-                        </m:ctrlPr>
-                      </m:sSubPr>
-                      <m:e>
-                        <m:r>
-                          <a:rPr kumimoji="1" lang="en-US" altLang="ja-JP" sz="2000" b="0" i="1" smtClean="0">
-                            <a:latin typeface="Cambria Math" panose="02040503050406030204" pitchFamily="18" charset="0"/>
-                          </a:rPr>
-                          <m:t>𝜏</m:t>
-                        </m:r>
-                      </m:e>
-                      <m:sub>
-                        <m:r>
-                          <m:rPr>
-                            <m:sty m:val="p"/>
-                          </m:rPr>
-                          <a:rPr kumimoji="1" lang="en-US" altLang="ja-JP" sz="2000" b="0" i="0" smtClean="0">
-                            <a:latin typeface="Cambria Math" panose="02040503050406030204" pitchFamily="18" charset="0"/>
-                          </a:rPr>
-                          <m:t>APE</m:t>
-                        </m:r>
-                      </m:sub>
-                    </m:sSub>
-                    <m:r>
-                      <a:rPr kumimoji="1" lang="en-US" altLang="ja-JP" sz="2000" b="0" i="1" smtClean="0">
-                        <a:latin typeface="Cambria Math" panose="02040503050406030204" pitchFamily="18" charset="0"/>
-                      </a:rPr>
-                      <m:t>=</m:t>
-                    </m:r>
-                    <m:r>
-                      <a:rPr kumimoji="1" lang="en-US" altLang="ja-JP" sz="2000" b="0" i="1" smtClean="0">
-                        <a:latin typeface="Cambria Math" panose="02040503050406030204" pitchFamily="18" charset="0"/>
-                      </a:rPr>
-                      <m:t>∞</m:t>
-                    </m:r>
-                  </m:oMath>
-                </a14:m>
+                <a:r>
+                  <a:rPr kumimoji="1" lang="en-US" altLang="ja-JP" sz="2000" dirty="0"/>
+                  <a:t>T341</a:t>
+                </a:r>
                 <a:r>
                   <a:rPr kumimoji="1" lang="ja-JP" altLang="en-US" sz="2000" dirty="0"/>
                   <a:t> </a:t>
                 </a:r>
                 <a:r>
                   <a:rPr kumimoji="1" lang="en-US" altLang="ja-JP" sz="2000" dirty="0"/>
-                  <a:t>(T341)</a:t>
+                  <a:t>(E1)</a:t>
                 </a:r>
+              </a:p>
+              <a:p>
+                <a:pPr algn="ctr"/>
+                <a14:m>
+                  <m:oMathPara xmlns:m="http://schemas.openxmlformats.org/officeDocument/2006/math">
+                    <m:oMathParaPr>
+                      <m:jc m:val="centerGroup"/>
+                    </m:oMathParaPr>
+                    <m:oMath xmlns:m="http://schemas.openxmlformats.org/officeDocument/2006/math">
+                      <m:sSub>
+                        <m:sSubPr>
+                          <m:ctrlPr>
+                            <a:rPr kumimoji="1" lang="en-US" altLang="ja-JP" sz="2000" b="0" i="1" smtClean="0">
+                              <a:latin typeface="Cambria Math" panose="02040503050406030204" pitchFamily="18" charset="0"/>
+                            </a:rPr>
+                          </m:ctrlPr>
+                        </m:sSubPr>
+                        <m:e>
+                          <m:r>
+                            <a:rPr kumimoji="1" lang="en-US" altLang="ja-JP" sz="2000" b="0" i="1" smtClean="0">
+                              <a:latin typeface="Cambria Math" panose="02040503050406030204" pitchFamily="18" charset="0"/>
+                            </a:rPr>
+                            <m:t>𝑅</m:t>
+                          </m:r>
+                        </m:e>
+                        <m:sub>
+                          <m:r>
+                            <m:rPr>
+                              <m:sty m:val="p"/>
+                            </m:rPr>
+                            <a:rPr kumimoji="1" lang="en-US" altLang="ja-JP" sz="2000" b="0" i="0" smtClean="0">
+                              <a:latin typeface="Cambria Math" panose="02040503050406030204" pitchFamily="18" charset="0"/>
+                            </a:rPr>
+                            <m:t>storm</m:t>
+                          </m:r>
+                        </m:sub>
+                      </m:sSub>
+                      <m:r>
+                        <a:rPr kumimoji="1" lang="en-US" altLang="ja-JP" sz="2000" b="0" i="1" smtClean="0">
+                          <a:latin typeface="Cambria Math" panose="02040503050406030204" pitchFamily="18" charset="0"/>
+                        </a:rPr>
+                        <m:t>=</m:t>
+                      </m:r>
+                      <m:sSup>
+                        <m:sSupPr>
+                          <m:ctrlPr>
+                            <a:rPr kumimoji="1" lang="en-US" altLang="ja-JP" sz="2000" b="0" i="1" smtClean="0">
+                              <a:latin typeface="Cambria Math" panose="02040503050406030204" pitchFamily="18" charset="0"/>
+                            </a:rPr>
+                          </m:ctrlPr>
+                        </m:sSupPr>
+                        <m:e>
+                          <m:r>
+                            <a:rPr kumimoji="1" lang="en-US" altLang="ja-JP" sz="2000" b="0" i="1" smtClean="0">
+                              <a:latin typeface="Cambria Math" panose="02040503050406030204" pitchFamily="18" charset="0"/>
+                            </a:rPr>
+                            <m:t>0.7</m:t>
+                          </m:r>
+                        </m:e>
+                        <m:sup>
+                          <m:r>
+                            <a:rPr kumimoji="1" lang="en-US" altLang="ja-JP" sz="2000" b="0" i="1" smtClean="0">
+                              <a:latin typeface="Cambria Math" panose="02040503050406030204" pitchFamily="18" charset="0"/>
+                            </a:rPr>
+                            <m:t>∘</m:t>
+                          </m:r>
+                        </m:sup>
+                      </m:sSup>
+                    </m:oMath>
+                  </m:oMathPara>
+                </a14:m>
                 <a:endParaRPr kumimoji="1" lang="ja-JP" altLang="en-US" sz="2000" dirty="0"/>
               </a:p>
             </p:txBody>
@@ -3885,15 +3949,15 @@
             <p:spPr>
               <a:xfrm>
                 <a:off x="3881100" y="742505"/>
-                <a:ext cx="2090326" cy="400110"/>
+                <a:ext cx="2090326" cy="707886"/>
               </a:xfrm>
               <a:prstGeom prst="rect">
                 <a:avLst/>
               </a:prstGeom>
               <a:blipFill>
-                <a:blip r:embed="rId9"/>
+                <a:blip r:embed="rId3"/>
                 <a:stretch>
-                  <a:fillRect t="-9231" b="-27692"/>
+                  <a:fillRect t="-5172"/>
                 </a:stretch>
               </a:blipFill>
             </p:spPr>
@@ -3971,16 +4035,44 @@
           </p:cNvPicPr>
           <p:nvPr/>
         </p:nvPicPr>
-        <p:blipFill>
-          <a:blip r:embed="rId10"/>
-          <a:stretch>
-            <a:fillRect/>
-          </a:stretch>
+        <p:blipFill rotWithShape="1">
+          <a:blip r:embed="rId4"/>
+          <a:srcRect l="9641" t="16711" r="31853" b="9877"/>
+          <a:stretch/>
         </p:blipFill>
         <p:spPr>
           <a:xfrm>
-            <a:off x="4047733" y="2033731"/>
-            <a:ext cx="5620534" cy="4982270"/>
+            <a:off x="3692769" y="1557726"/>
+            <a:ext cx="2592718" cy="2883878"/>
+          </a:xfrm>
+          <a:prstGeom prst="rect">
+            <a:avLst/>
+          </a:prstGeom>
+        </p:spPr>
+      </p:pic>
+      <p:pic>
+        <p:nvPicPr>
+          <p:cNvPr id="4" name="図 3">
+            <a:extLst>
+              <a:ext uri="{FF2B5EF4-FFF2-40B4-BE49-F238E27FC236}">
+                <a16:creationId xmlns:a16="http://schemas.microsoft.com/office/drawing/2014/main" id="{66497B86-EEEA-419B-B036-ACA962C24E08}"/>
+              </a:ext>
+            </a:extLst>
+          </p:cNvPr>
+          <p:cNvPicPr>
+            <a:picLocks noChangeAspect="1"/>
+          </p:cNvPicPr>
+          <p:nvPr/>
+        </p:nvPicPr>
+        <p:blipFill rotWithShape="1">
+          <a:blip r:embed="rId5"/>
+          <a:srcRect l="10056" t="15446" r="33914" b="8990"/>
+          <a:stretch/>
+        </p:blipFill>
+        <p:spPr>
+          <a:xfrm>
+            <a:off x="572513" y="1543861"/>
+            <a:ext cx="2495660" cy="2911607"/>
           </a:xfrm>
           <a:prstGeom prst="rect">
             <a:avLst/>
@@ -4017,277 +4109,6 @@
           <a:chExt cx="0" cy="0"/>
         </a:xfrm>
       </p:grpSpPr>
-      <mc:AlternateContent xmlns:mc="http://schemas.openxmlformats.org/markup-compatibility/2006" xmlns:a14="http://schemas.microsoft.com/office/drawing/2010/main">
-        <mc:Choice Requires="a14">
-          <p:sp>
-            <p:nvSpPr>
-              <p:cNvPr id="42" name="テキスト ボックス 41">
-                <a:extLst>
-                  <a:ext uri="{FF2B5EF4-FFF2-40B4-BE49-F238E27FC236}">
-                    <a16:creationId xmlns:a16="http://schemas.microsoft.com/office/drawing/2014/main" id="{00823E97-07D3-489F-8766-B46D851AB8DA}"/>
-                  </a:ext>
-                </a:extLst>
-              </p:cNvPr>
-              <p:cNvSpPr txBox="1"/>
-              <p:nvPr/>
-            </p:nvSpPr>
-            <p:spPr>
-              <a:xfrm>
-                <a:off x="1004222" y="265908"/>
-                <a:ext cx="2090326" cy="400110"/>
-              </a:xfrm>
-              <a:prstGeom prst="rect">
-                <a:avLst/>
-              </a:prstGeom>
-              <a:noFill/>
-            </p:spPr>
-            <p:txBody>
-              <a:bodyPr wrap="square" rtlCol="0">
-                <a:spAutoFit/>
-              </a:bodyPr>
-              <a:lstStyle/>
-              <a:p>
-                <a:pPr algn="ctr"/>
-                <a14:m>
-                  <m:oMath xmlns:m="http://schemas.openxmlformats.org/officeDocument/2006/math">
-                    <m:sSub>
-                      <m:sSubPr>
-                        <m:ctrlPr>
-                          <a:rPr kumimoji="1" lang="en-US" altLang="ja-JP" sz="2000" b="0" i="1" smtClean="0">
-                            <a:latin typeface="Cambria Math" panose="02040503050406030204" pitchFamily="18" charset="0"/>
-                          </a:rPr>
-                        </m:ctrlPr>
-                      </m:sSubPr>
-                      <m:e>
-                        <m:r>
-                          <a:rPr kumimoji="1" lang="en-US" altLang="ja-JP" sz="2000" b="0" i="1" smtClean="0">
-                            <a:latin typeface="Cambria Math" panose="02040503050406030204" pitchFamily="18" charset="0"/>
-                          </a:rPr>
-                          <m:t>𝜏</m:t>
-                        </m:r>
-                      </m:e>
-                      <m:sub>
-                        <m:r>
-                          <m:rPr>
-                            <m:sty m:val="p"/>
-                          </m:rPr>
-                          <a:rPr kumimoji="1" lang="en-US" altLang="ja-JP" sz="2000" b="0" i="0" smtClean="0">
-                            <a:latin typeface="Cambria Math" panose="02040503050406030204" pitchFamily="18" charset="0"/>
-                          </a:rPr>
-                          <m:t>APE</m:t>
-                        </m:r>
-                      </m:sub>
-                    </m:sSub>
-                    <m:r>
-                      <a:rPr kumimoji="1" lang="en-US" altLang="ja-JP" sz="2000" b="0" i="1" smtClean="0">
-                        <a:latin typeface="Cambria Math" panose="02040503050406030204" pitchFamily="18" charset="0"/>
-                      </a:rPr>
-                      <m:t>=∞</m:t>
-                    </m:r>
-                  </m:oMath>
-                </a14:m>
-                <a:r>
-                  <a:rPr kumimoji="1" lang="en-US" altLang="ja-JP" sz="2000" dirty="0"/>
-                  <a:t> (A1)</a:t>
-                </a:r>
-                <a:endParaRPr kumimoji="1" lang="ja-JP" altLang="en-US" sz="2000" dirty="0"/>
-              </a:p>
-            </p:txBody>
-          </p:sp>
-        </mc:Choice>
-        <mc:Fallback xmlns="">
-          <p:sp>
-            <p:nvSpPr>
-              <p:cNvPr id="42" name="テキスト ボックス 41">
-                <a:extLst>
-                  <a:ext uri="{FF2B5EF4-FFF2-40B4-BE49-F238E27FC236}">
-                    <a16:creationId xmlns:a16="http://schemas.microsoft.com/office/drawing/2014/main" id="{00823E97-07D3-489F-8766-B46D851AB8DA}"/>
-                  </a:ext>
-                </a:extLst>
-              </p:cNvPr>
-              <p:cNvSpPr txBox="1">
-                <a:spLocks noRot="1" noChangeAspect="1" noMove="1" noResize="1" noEditPoints="1" noAdjustHandles="1" noChangeArrowheads="1" noChangeShapeType="1" noTextEdit="1"/>
-              </p:cNvSpPr>
-              <p:nvPr/>
-            </p:nvSpPr>
-            <p:spPr>
-              <a:xfrm>
-                <a:off x="1004222" y="265908"/>
-                <a:ext cx="2090326" cy="400110"/>
-              </a:xfrm>
-              <a:prstGeom prst="rect">
-                <a:avLst/>
-              </a:prstGeom>
-              <a:blipFill>
-                <a:blip r:embed="rId2"/>
-                <a:stretch>
-                  <a:fillRect t="-9231" b="-27692"/>
-                </a:stretch>
-              </a:blipFill>
-            </p:spPr>
-            <p:txBody>
-              <a:bodyPr/>
-              <a:lstStyle/>
-              <a:p>
-                <a:r>
-                  <a:rPr lang="ja-JP" altLang="en-US">
-                    <a:noFill/>
-                  </a:rPr>
-                  <a:t> </a:t>
-                </a:r>
-              </a:p>
-            </p:txBody>
-          </p:sp>
-        </mc:Fallback>
-      </mc:AlternateContent>
-      <mc:AlternateContent xmlns:mc="http://schemas.openxmlformats.org/markup-compatibility/2006" xmlns:a14="http://schemas.microsoft.com/office/drawing/2010/main">
-        <mc:Choice Requires="a14">
-          <p:sp>
-            <p:nvSpPr>
-              <p:cNvPr id="46" name="テキスト ボックス 45">
-                <a:extLst>
-                  <a:ext uri="{FF2B5EF4-FFF2-40B4-BE49-F238E27FC236}">
-                    <a16:creationId xmlns:a16="http://schemas.microsoft.com/office/drawing/2014/main" id="{483ADB01-B651-4B55-AD8D-2BD4532260EC}"/>
-                  </a:ext>
-                </a:extLst>
-              </p:cNvPr>
-              <p:cNvSpPr txBox="1"/>
-              <p:nvPr/>
-            </p:nvSpPr>
-            <p:spPr>
-              <a:xfrm>
-                <a:off x="4023340" y="254825"/>
-                <a:ext cx="2090326" cy="400110"/>
-              </a:xfrm>
-              <a:prstGeom prst="rect">
-                <a:avLst/>
-              </a:prstGeom>
-              <a:noFill/>
-            </p:spPr>
-            <p:txBody>
-              <a:bodyPr wrap="square" rtlCol="0">
-                <a:spAutoFit/>
-              </a:bodyPr>
-              <a:lstStyle/>
-              <a:p>
-                <a:pPr algn="ctr"/>
-                <a14:m>
-                  <m:oMath xmlns:m="http://schemas.openxmlformats.org/officeDocument/2006/math">
-                    <m:sSub>
-                      <m:sSubPr>
-                        <m:ctrlPr>
-                          <a:rPr kumimoji="1" lang="en-US" altLang="ja-JP" sz="2000" b="0" i="1" smtClean="0">
-                            <a:latin typeface="Cambria Math" panose="02040503050406030204" pitchFamily="18" charset="0"/>
-                          </a:rPr>
-                        </m:ctrlPr>
-                      </m:sSubPr>
-                      <m:e>
-                        <m:r>
-                          <a:rPr kumimoji="1" lang="en-US" altLang="ja-JP" sz="2000" b="0" i="1" smtClean="0">
-                            <a:latin typeface="Cambria Math" panose="02040503050406030204" pitchFamily="18" charset="0"/>
-                          </a:rPr>
-                          <m:t>𝜏</m:t>
-                        </m:r>
-                      </m:e>
-                      <m:sub>
-                        <m:r>
-                          <m:rPr>
-                            <m:sty m:val="p"/>
-                          </m:rPr>
-                          <a:rPr kumimoji="1" lang="en-US" altLang="ja-JP" sz="2000" b="0" i="0" smtClean="0">
-                            <a:latin typeface="Cambria Math" panose="02040503050406030204" pitchFamily="18" charset="0"/>
-                          </a:rPr>
-                          <m:t>APE</m:t>
-                        </m:r>
-                      </m:sub>
-                    </m:sSub>
-                    <m:r>
-                      <a:rPr kumimoji="1" lang="en-US" altLang="ja-JP" sz="2000" b="0" i="1" smtClean="0">
-                        <a:latin typeface="Cambria Math" panose="02040503050406030204" pitchFamily="18" charset="0"/>
-                      </a:rPr>
-                      <m:t>=</m:t>
-                    </m:r>
-                    <m:sSup>
-                      <m:sSupPr>
-                        <m:ctrlPr>
-                          <a:rPr kumimoji="1" lang="en-US" altLang="ja-JP" sz="2000" b="0" i="1" smtClean="0">
-                            <a:latin typeface="Cambria Math" panose="02040503050406030204" pitchFamily="18" charset="0"/>
-                          </a:rPr>
-                        </m:ctrlPr>
-                      </m:sSupPr>
-                      <m:e>
-                        <m:r>
-                          <a:rPr kumimoji="1" lang="en-US" altLang="ja-JP" sz="2000" b="0" i="1" smtClean="0">
-                            <a:latin typeface="Cambria Math" panose="02040503050406030204" pitchFamily="18" charset="0"/>
-                          </a:rPr>
-                          <m:t>10</m:t>
-                        </m:r>
-                      </m:e>
-                      <m:sup>
-                        <m:r>
-                          <a:rPr kumimoji="1" lang="en-US" altLang="ja-JP" sz="2000" b="0" i="1" smtClean="0">
-                            <a:latin typeface="Cambria Math" panose="02040503050406030204" pitchFamily="18" charset="0"/>
-                          </a:rPr>
-                          <m:t>6</m:t>
-                        </m:r>
-                      </m:sup>
-                    </m:sSup>
-                  </m:oMath>
-                </a14:m>
-                <a:r>
-                  <a:rPr kumimoji="1" lang="en-US" altLang="ja-JP" sz="2000" dirty="0"/>
-                  <a:t> (C3)</a:t>
-                </a:r>
-                <a:endParaRPr kumimoji="1" lang="ja-JP" altLang="en-US" sz="2000" dirty="0"/>
-              </a:p>
-            </p:txBody>
-          </p:sp>
-        </mc:Choice>
-        <mc:Fallback xmlns="">
-          <p:sp>
-            <p:nvSpPr>
-              <p:cNvPr id="46" name="テキスト ボックス 45">
-                <a:extLst>
-                  <a:ext uri="{FF2B5EF4-FFF2-40B4-BE49-F238E27FC236}">
-                    <a16:creationId xmlns:a16="http://schemas.microsoft.com/office/drawing/2014/main" id="{483ADB01-B651-4B55-AD8D-2BD4532260EC}"/>
-                  </a:ext>
-                </a:extLst>
-              </p:cNvPr>
-              <p:cNvSpPr txBox="1">
-                <a:spLocks noRot="1" noChangeAspect="1" noMove="1" noResize="1" noEditPoints="1" noAdjustHandles="1" noChangeArrowheads="1" noChangeShapeType="1" noTextEdit="1"/>
-              </p:cNvSpPr>
-              <p:nvPr/>
-            </p:nvSpPr>
-            <p:spPr>
-              <a:xfrm>
-                <a:off x="4023340" y="254825"/>
-                <a:ext cx="2090326" cy="400110"/>
-              </a:xfrm>
-              <a:prstGeom prst="rect">
-                <a:avLst/>
-              </a:prstGeom>
-              <a:blipFill>
-                <a:blip r:embed="rId5"/>
-                <a:stretch>
-                  <a:fillRect t="-9231" b="-27692"/>
-                </a:stretch>
-              </a:blipFill>
-            </p:spPr>
-            <p:txBody>
-              <a:bodyPr/>
-              <a:lstStyle/>
-              <a:p>
-                <a:r>
-                  <a:rPr lang="ja-JP" altLang="en-US">
-                    <a:noFill/>
-                  </a:rPr>
-                  <a:t> </a:t>
-                </a:r>
-              </a:p>
-            </p:txBody>
-          </p:sp>
-        </mc:Fallback>
-      </mc:AlternateContent>
       <p:cxnSp>
         <p:nvCxnSpPr>
           <p:cNvPr id="36" name="直線コネクタ 35">
@@ -4335,10 +4156,10 @@
       </p:cxnSp>
       <p:pic>
         <p:nvPicPr>
-          <p:cNvPr id="3" name="図 2">
+          <p:cNvPr id="4" name="図 3">
             <a:extLst>
               <a:ext uri="{FF2B5EF4-FFF2-40B4-BE49-F238E27FC236}">
-                <a16:creationId xmlns:a16="http://schemas.microsoft.com/office/drawing/2014/main" id="{EB5C88D7-F356-416A-A4BB-02BF7F935C83}"/>
+                <a16:creationId xmlns:a16="http://schemas.microsoft.com/office/drawing/2014/main" id="{2F67F95D-F2A0-4660-844D-847469248B52}"/>
               </a:ext>
             </a:extLst>
           </p:cNvPr>
@@ -4347,16 +4168,15 @@
           </p:cNvPicPr>
           <p:nvPr/>
         </p:nvPicPr>
-        <p:blipFill>
-          <a:blip r:embed="rId6"/>
-          <a:stretch>
-            <a:fillRect/>
-          </a:stretch>
+        <p:blipFill rotWithShape="1">
+          <a:blip r:embed="rId2"/>
+          <a:srcRect l="3215" t="13249" r="40201" b="12848"/>
+          <a:stretch/>
         </p:blipFill>
         <p:spPr>
           <a:xfrm>
-            <a:off x="4700190" y="1992920"/>
-            <a:ext cx="5687219" cy="5287113"/>
+            <a:off x="395076" y="1211943"/>
+            <a:ext cx="2661246" cy="3369284"/>
           </a:xfrm>
           <a:prstGeom prst="rect">
             <a:avLst/>
@@ -4365,10 +4185,10 @@
       </p:pic>
       <p:pic>
         <p:nvPicPr>
-          <p:cNvPr id="5" name="図 4">
+          <p:cNvPr id="7" name="図 6">
             <a:extLst>
               <a:ext uri="{FF2B5EF4-FFF2-40B4-BE49-F238E27FC236}">
-                <a16:creationId xmlns:a16="http://schemas.microsoft.com/office/drawing/2014/main" id="{CF2920BE-15D0-4F7B-9D03-EBF924ECDAD6}"/>
+                <a16:creationId xmlns:a16="http://schemas.microsoft.com/office/drawing/2014/main" id="{BA0CA221-C2EC-4C5F-8581-66293C5A3B09}"/>
               </a:ext>
             </a:extLst>
           </p:cNvPr>
@@ -4377,22 +4197,341 @@
           </p:cNvPicPr>
           <p:nvPr/>
         </p:nvPicPr>
-        <p:blipFill>
-          <a:blip r:embed="rId7"/>
-          <a:stretch>
-            <a:fillRect/>
-          </a:stretch>
+        <p:blipFill rotWithShape="1">
+          <a:blip r:embed="rId3"/>
+          <a:srcRect t="10317" r="41458" b="11692"/>
+          <a:stretch/>
         </p:blipFill>
         <p:spPr>
           <a:xfrm>
-            <a:off x="-2510199" y="2211635"/>
-            <a:ext cx="5763429" cy="5201376"/>
+            <a:off x="3622362" y="1270000"/>
+            <a:ext cx="2823712" cy="3418114"/>
           </a:xfrm>
           <a:prstGeom prst="rect">
             <a:avLst/>
           </a:prstGeom>
         </p:spPr>
       </p:pic>
+      <mc:AlternateContent xmlns:mc="http://schemas.openxmlformats.org/markup-compatibility/2006">
+        <mc:Choice xmlns:a14="http://schemas.microsoft.com/office/drawing/2010/main" Requires="a14">
+          <p:sp>
+            <p:nvSpPr>
+              <p:cNvPr id="11" name="テキスト ボックス 10">
+                <a:extLst>
+                  <a:ext uri="{FF2B5EF4-FFF2-40B4-BE49-F238E27FC236}">
+                    <a16:creationId xmlns:a16="http://schemas.microsoft.com/office/drawing/2014/main" id="{2BD2A982-5FD9-4582-B457-12742C3FDC99}"/>
+                  </a:ext>
+                </a:extLst>
+              </p:cNvPr>
+              <p:cNvSpPr txBox="1"/>
+              <p:nvPr/>
+            </p:nvSpPr>
+            <p:spPr>
+              <a:xfrm>
+                <a:off x="962416" y="535760"/>
+                <a:ext cx="2090326" cy="734240"/>
+              </a:xfrm>
+              <a:prstGeom prst="rect">
+                <a:avLst/>
+              </a:prstGeom>
+              <a:noFill/>
+            </p:spPr>
+            <p:txBody>
+              <a:bodyPr wrap="square" rtlCol="0">
+                <a:spAutoFit/>
+              </a:bodyPr>
+              <a:lstStyle/>
+              <a:p>
+                <a:pPr algn="ctr"/>
+                <a:r>
+                  <a:rPr kumimoji="1" lang="en-US" altLang="ja-JP" sz="2000" dirty="0"/>
+                  <a:t>T170  (A1)</a:t>
+                </a:r>
+              </a:p>
+              <a:p>
+                <a:pPr algn="ctr"/>
+                <a14:m>
+                  <m:oMathPara xmlns:m="http://schemas.openxmlformats.org/officeDocument/2006/math">
+                    <m:oMathParaPr>
+                      <m:jc m:val="centerGroup"/>
+                    </m:oMathParaPr>
+                    <m:oMath xmlns:m="http://schemas.openxmlformats.org/officeDocument/2006/math">
+                      <m:sSub>
+                        <m:sSubPr>
+                          <m:ctrlPr>
+                            <a:rPr kumimoji="1" lang="en-US" altLang="ja-JP" sz="2000" b="0" i="1" smtClean="0">
+                              <a:latin typeface="Cambria Math" panose="02040503050406030204" pitchFamily="18" charset="0"/>
+                            </a:rPr>
+                          </m:ctrlPr>
+                        </m:sSubPr>
+                        <m:e>
+                          <m:r>
+                            <a:rPr kumimoji="1" lang="en-US" altLang="ja-JP" sz="2000" b="0" i="1" smtClean="0">
+                              <a:latin typeface="Cambria Math" panose="02040503050406030204" pitchFamily="18" charset="0"/>
+                            </a:rPr>
+                            <m:t>𝑅</m:t>
+                          </m:r>
+                        </m:e>
+                        <m:sub>
+                          <m:r>
+                            <m:rPr>
+                              <m:sty m:val="p"/>
+                            </m:rPr>
+                            <a:rPr kumimoji="1" lang="en-US" altLang="ja-JP" sz="2000" b="0" i="0" smtClean="0">
+                              <a:latin typeface="Cambria Math" panose="02040503050406030204" pitchFamily="18" charset="0"/>
+                            </a:rPr>
+                            <m:t>storm</m:t>
+                          </m:r>
+                        </m:sub>
+                      </m:sSub>
+                      <m:r>
+                        <a:rPr kumimoji="1" lang="en-US" altLang="ja-JP" sz="2000" b="0" i="1" smtClean="0">
+                          <a:latin typeface="Cambria Math" panose="02040503050406030204" pitchFamily="18" charset="0"/>
+                        </a:rPr>
+                        <m:t>=</m:t>
+                      </m:r>
+                      <m:sSup>
+                        <m:sSupPr>
+                          <m:ctrlPr>
+                            <a:rPr kumimoji="1" lang="en-US" altLang="ja-JP" sz="2000" b="0" i="1" smtClean="0">
+                              <a:latin typeface="Cambria Math" panose="02040503050406030204" pitchFamily="18" charset="0"/>
+                            </a:rPr>
+                          </m:ctrlPr>
+                        </m:sSupPr>
+                        <m:e>
+                          <m:r>
+                            <a:rPr kumimoji="1" lang="en-US" altLang="ja-JP" sz="2000" b="0" i="1" smtClean="0">
+                              <a:latin typeface="Cambria Math" panose="02040503050406030204" pitchFamily="18" charset="0"/>
+                            </a:rPr>
+                            <m:t>2.1</m:t>
+                          </m:r>
+                        </m:e>
+                        <m:sup>
+                          <m:r>
+                            <a:rPr kumimoji="1" lang="en-US" altLang="ja-JP" sz="2000" b="0" i="1" smtClean="0">
+                              <a:latin typeface="Cambria Math" panose="02040503050406030204" pitchFamily="18" charset="0"/>
+                            </a:rPr>
+                            <m:t>∘</m:t>
+                          </m:r>
+                        </m:sup>
+                      </m:sSup>
+                    </m:oMath>
+                  </m:oMathPara>
+                </a14:m>
+                <a:endParaRPr kumimoji="1" lang="ja-JP" altLang="en-US" sz="2000" dirty="0"/>
+              </a:p>
+            </p:txBody>
+          </p:sp>
+        </mc:Choice>
+        <mc:Fallback>
+          <p:sp>
+            <p:nvSpPr>
+              <p:cNvPr id="11" name="テキスト ボックス 10">
+                <a:extLst>
+                  <a:ext uri="{FF2B5EF4-FFF2-40B4-BE49-F238E27FC236}">
+                    <a16:creationId xmlns:a16="http://schemas.microsoft.com/office/drawing/2014/main" id="{2BD2A982-5FD9-4582-B457-12742C3FDC99}"/>
+                  </a:ext>
+                </a:extLst>
+              </p:cNvPr>
+              <p:cNvSpPr txBox="1">
+                <a:spLocks noRot="1" noChangeAspect="1" noMove="1" noResize="1" noEditPoints="1" noAdjustHandles="1" noChangeArrowheads="1" noChangeShapeType="1" noTextEdit="1"/>
+              </p:cNvSpPr>
+              <p:nvPr/>
+            </p:nvSpPr>
+            <p:spPr>
+              <a:xfrm>
+                <a:off x="962416" y="535760"/>
+                <a:ext cx="2090326" cy="734240"/>
+              </a:xfrm>
+              <a:prstGeom prst="rect">
+                <a:avLst/>
+              </a:prstGeom>
+              <a:blipFill>
+                <a:blip r:embed="rId4"/>
+                <a:stretch>
+                  <a:fillRect t="-5000"/>
+                </a:stretch>
+              </a:blipFill>
+            </p:spPr>
+            <p:txBody>
+              <a:bodyPr/>
+              <a:lstStyle/>
+              <a:p>
+                <a:r>
+                  <a:rPr lang="ja-JP" altLang="en-US">
+                    <a:noFill/>
+                  </a:rPr>
+                  <a:t> </a:t>
+                </a:r>
+              </a:p>
+            </p:txBody>
+          </p:sp>
+        </mc:Fallback>
+      </mc:AlternateContent>
+      <mc:AlternateContent xmlns:mc="http://schemas.openxmlformats.org/markup-compatibility/2006">
+        <mc:Choice xmlns:a14="http://schemas.microsoft.com/office/drawing/2010/main" Requires="a14">
+          <p:sp>
+            <p:nvSpPr>
+              <p:cNvPr id="12" name="テキスト ボックス 11">
+                <a:extLst>
+                  <a:ext uri="{FF2B5EF4-FFF2-40B4-BE49-F238E27FC236}">
+                    <a16:creationId xmlns:a16="http://schemas.microsoft.com/office/drawing/2014/main" id="{78789797-7E64-4208-B838-D7F60D0C3EC5}"/>
+                  </a:ext>
+                </a:extLst>
+              </p:cNvPr>
+              <p:cNvSpPr txBox="1"/>
+              <p:nvPr/>
+            </p:nvSpPr>
+            <p:spPr>
+              <a:xfrm>
+                <a:off x="4257306" y="524677"/>
+                <a:ext cx="2090326" cy="707886"/>
+              </a:xfrm>
+              <a:prstGeom prst="rect">
+                <a:avLst/>
+              </a:prstGeom>
+              <a:noFill/>
+            </p:spPr>
+            <p:txBody>
+              <a:bodyPr wrap="square" rtlCol="0">
+                <a:spAutoFit/>
+              </a:bodyPr>
+              <a:lstStyle/>
+              <a:p>
+                <a:pPr algn="ctr"/>
+                <a:r>
+                  <a:rPr kumimoji="1" lang="en-US" altLang="ja-JP" sz="2000" dirty="0"/>
+                  <a:t>T341</a:t>
+                </a:r>
+                <a:r>
+                  <a:rPr kumimoji="1" lang="ja-JP" altLang="en-US" sz="2000" dirty="0"/>
+                  <a:t> </a:t>
+                </a:r>
+                <a:r>
+                  <a:rPr kumimoji="1" lang="en-US" altLang="ja-JP" sz="2000" dirty="0"/>
+                  <a:t>(E1)</a:t>
+                </a:r>
+              </a:p>
+              <a:p>
+                <a:pPr algn="ctr"/>
+                <a14:m>
+                  <m:oMathPara xmlns:m="http://schemas.openxmlformats.org/officeDocument/2006/math">
+                    <m:oMathParaPr>
+                      <m:jc m:val="centerGroup"/>
+                    </m:oMathParaPr>
+                    <m:oMath xmlns:m="http://schemas.openxmlformats.org/officeDocument/2006/math">
+                      <m:sSub>
+                        <m:sSubPr>
+                          <m:ctrlPr>
+                            <a:rPr kumimoji="1" lang="en-US" altLang="ja-JP" sz="2000" b="0" i="1" smtClean="0">
+                              <a:latin typeface="Cambria Math" panose="02040503050406030204" pitchFamily="18" charset="0"/>
+                            </a:rPr>
+                          </m:ctrlPr>
+                        </m:sSubPr>
+                        <m:e>
+                          <m:r>
+                            <a:rPr kumimoji="1" lang="en-US" altLang="ja-JP" sz="2000" b="0" i="1" smtClean="0">
+                              <a:latin typeface="Cambria Math" panose="02040503050406030204" pitchFamily="18" charset="0"/>
+                            </a:rPr>
+                            <m:t>𝑅</m:t>
+                          </m:r>
+                        </m:e>
+                        <m:sub>
+                          <m:r>
+                            <m:rPr>
+                              <m:sty m:val="p"/>
+                            </m:rPr>
+                            <a:rPr kumimoji="1" lang="en-US" altLang="ja-JP" sz="2000" b="0" i="0" smtClean="0">
+                              <a:latin typeface="Cambria Math" panose="02040503050406030204" pitchFamily="18" charset="0"/>
+                            </a:rPr>
+                            <m:t>storm</m:t>
+                          </m:r>
+                        </m:sub>
+                      </m:sSub>
+                      <m:r>
+                        <a:rPr kumimoji="1" lang="en-US" altLang="ja-JP" sz="2000" b="0" i="1" smtClean="0">
+                          <a:latin typeface="Cambria Math" panose="02040503050406030204" pitchFamily="18" charset="0"/>
+                        </a:rPr>
+                        <m:t>=</m:t>
+                      </m:r>
+                      <m:sSup>
+                        <m:sSupPr>
+                          <m:ctrlPr>
+                            <a:rPr kumimoji="1" lang="en-US" altLang="ja-JP" sz="2000" b="0" i="1" smtClean="0">
+                              <a:latin typeface="Cambria Math" panose="02040503050406030204" pitchFamily="18" charset="0"/>
+                            </a:rPr>
+                          </m:ctrlPr>
+                        </m:sSupPr>
+                        <m:e>
+                          <m:r>
+                            <a:rPr kumimoji="1" lang="en-US" altLang="ja-JP" sz="2000" b="0" i="1" smtClean="0">
+                              <a:latin typeface="Cambria Math" panose="02040503050406030204" pitchFamily="18" charset="0"/>
+                            </a:rPr>
+                            <m:t>0.7</m:t>
+                          </m:r>
+                        </m:e>
+                        <m:sup>
+                          <m:r>
+                            <a:rPr kumimoji="1" lang="en-US" altLang="ja-JP" sz="2000" b="0" i="1" smtClean="0">
+                              <a:latin typeface="Cambria Math" panose="02040503050406030204" pitchFamily="18" charset="0"/>
+                            </a:rPr>
+                            <m:t>∘</m:t>
+                          </m:r>
+                        </m:sup>
+                      </m:sSup>
+                    </m:oMath>
+                  </m:oMathPara>
+                </a14:m>
+                <a:endParaRPr kumimoji="1" lang="ja-JP" altLang="en-US" sz="2000" dirty="0"/>
+              </a:p>
+            </p:txBody>
+          </p:sp>
+        </mc:Choice>
+        <mc:Fallback>
+          <p:sp>
+            <p:nvSpPr>
+              <p:cNvPr id="12" name="テキスト ボックス 11">
+                <a:extLst>
+                  <a:ext uri="{FF2B5EF4-FFF2-40B4-BE49-F238E27FC236}">
+                    <a16:creationId xmlns:a16="http://schemas.microsoft.com/office/drawing/2014/main" id="{78789797-7E64-4208-B838-D7F60D0C3EC5}"/>
+                  </a:ext>
+                </a:extLst>
+              </p:cNvPr>
+              <p:cNvSpPr txBox="1">
+                <a:spLocks noRot="1" noChangeAspect="1" noMove="1" noResize="1" noEditPoints="1" noAdjustHandles="1" noChangeArrowheads="1" noChangeShapeType="1" noTextEdit="1"/>
+              </p:cNvSpPr>
+              <p:nvPr/>
+            </p:nvSpPr>
+            <p:spPr>
+              <a:xfrm>
+                <a:off x="4257306" y="524677"/>
+                <a:ext cx="2090326" cy="707886"/>
+              </a:xfrm>
+              <a:prstGeom prst="rect">
+                <a:avLst/>
+              </a:prstGeom>
+              <a:blipFill>
+                <a:blip r:embed="rId5"/>
+                <a:stretch>
+                  <a:fillRect t="-4310"/>
+                </a:stretch>
+              </a:blipFill>
+            </p:spPr>
+            <p:txBody>
+              <a:bodyPr/>
+              <a:lstStyle/>
+              <a:p>
+                <a:r>
+                  <a:rPr lang="ja-JP" altLang="en-US">
+                    <a:noFill/>
+                  </a:rPr>
+                  <a:t> </a:t>
+                </a:r>
+              </a:p>
+            </p:txBody>
+          </p:sp>
+        </mc:Fallback>
+      </mc:AlternateContent>
     </p:spTree>
     <p:extLst>
       <p:ext uri="{BB962C8B-B14F-4D97-AF65-F5344CB8AC3E}">
